--- a/slides/01 Intro.pptx
+++ b/slides/01 Intro.pptx
@@ -352,7 +352,7 @@
           <a:p>
             <a:fld id="{FB4DE6EA-DBA9-43AC-816D-7895DAF2FD85}" type="datetimeFigureOut">
               <a:rPr lang="ru-RU" smtClean="0"/>
-              <a:t>20.02.2019</a:t>
+              <a:t>27.02.2019</a:t>
             </a:fld>
             <a:endParaRPr lang="ru-RU"/>
           </a:p>
@@ -550,7 +550,7 @@
           <a:p>
             <a:fld id="{FB4DE6EA-DBA9-43AC-816D-7895DAF2FD85}" type="datetimeFigureOut">
               <a:rPr lang="ru-RU" smtClean="0"/>
-              <a:t>20.02.2019</a:t>
+              <a:t>27.02.2019</a:t>
             </a:fld>
             <a:endParaRPr lang="ru-RU"/>
           </a:p>
@@ -758,7 +758,7 @@
           <a:p>
             <a:fld id="{FB4DE6EA-DBA9-43AC-816D-7895DAF2FD85}" type="datetimeFigureOut">
               <a:rPr lang="ru-RU" smtClean="0"/>
-              <a:t>20.02.2019</a:t>
+              <a:t>27.02.2019</a:t>
             </a:fld>
             <a:endParaRPr lang="ru-RU"/>
           </a:p>
@@ -956,7 +956,7 @@
           <a:p>
             <a:fld id="{FB4DE6EA-DBA9-43AC-816D-7895DAF2FD85}" type="datetimeFigureOut">
               <a:rPr lang="ru-RU" smtClean="0"/>
-              <a:t>20.02.2019</a:t>
+              <a:t>27.02.2019</a:t>
             </a:fld>
             <a:endParaRPr lang="ru-RU"/>
           </a:p>
@@ -1231,7 +1231,7 @@
           <a:p>
             <a:fld id="{FB4DE6EA-DBA9-43AC-816D-7895DAF2FD85}" type="datetimeFigureOut">
               <a:rPr lang="ru-RU" smtClean="0"/>
-              <a:t>20.02.2019</a:t>
+              <a:t>27.02.2019</a:t>
             </a:fld>
             <a:endParaRPr lang="ru-RU"/>
           </a:p>
@@ -1496,7 +1496,7 @@
           <a:p>
             <a:fld id="{FB4DE6EA-DBA9-43AC-816D-7895DAF2FD85}" type="datetimeFigureOut">
               <a:rPr lang="ru-RU" smtClean="0"/>
-              <a:t>20.02.2019</a:t>
+              <a:t>27.02.2019</a:t>
             </a:fld>
             <a:endParaRPr lang="ru-RU"/>
           </a:p>
@@ -1908,7 +1908,7 @@
           <a:p>
             <a:fld id="{FB4DE6EA-DBA9-43AC-816D-7895DAF2FD85}" type="datetimeFigureOut">
               <a:rPr lang="ru-RU" smtClean="0"/>
-              <a:t>20.02.2019</a:t>
+              <a:t>27.02.2019</a:t>
             </a:fld>
             <a:endParaRPr lang="ru-RU"/>
           </a:p>
@@ -2049,7 +2049,7 @@
           <a:p>
             <a:fld id="{FB4DE6EA-DBA9-43AC-816D-7895DAF2FD85}" type="datetimeFigureOut">
               <a:rPr lang="ru-RU" smtClean="0"/>
-              <a:t>20.02.2019</a:t>
+              <a:t>27.02.2019</a:t>
             </a:fld>
             <a:endParaRPr lang="ru-RU"/>
           </a:p>
@@ -2162,7 +2162,7 @@
           <a:p>
             <a:fld id="{FB4DE6EA-DBA9-43AC-816D-7895DAF2FD85}" type="datetimeFigureOut">
               <a:rPr lang="ru-RU" smtClean="0"/>
-              <a:t>20.02.2019</a:t>
+              <a:t>27.02.2019</a:t>
             </a:fld>
             <a:endParaRPr lang="ru-RU"/>
           </a:p>
@@ -2473,7 +2473,7 @@
           <a:p>
             <a:fld id="{FB4DE6EA-DBA9-43AC-816D-7895DAF2FD85}" type="datetimeFigureOut">
               <a:rPr lang="ru-RU" smtClean="0"/>
-              <a:t>20.02.2019</a:t>
+              <a:t>27.02.2019</a:t>
             </a:fld>
             <a:endParaRPr lang="ru-RU"/>
           </a:p>
@@ -2761,7 +2761,7 @@
           <a:p>
             <a:fld id="{FB4DE6EA-DBA9-43AC-816D-7895DAF2FD85}" type="datetimeFigureOut">
               <a:rPr lang="ru-RU" smtClean="0"/>
-              <a:t>20.02.2019</a:t>
+              <a:t>27.02.2019</a:t>
             </a:fld>
             <a:endParaRPr lang="ru-RU"/>
           </a:p>
@@ -3002,7 +3002,7 @@
           <a:p>
             <a:fld id="{FB4DE6EA-DBA9-43AC-816D-7895DAF2FD85}" type="datetimeFigureOut">
               <a:rPr lang="ru-RU" smtClean="0"/>
-              <a:t>20.02.2019</a:t>
+              <a:t>27.02.2019</a:t>
             </a:fld>
             <a:endParaRPr lang="ru-RU"/>
           </a:p>
@@ -42020,7 +42020,7 @@
         </p:nvSpPr>
         <p:spPr>
           <a:xfrm>
-            <a:off x="1265236" y="1382531"/>
+            <a:off x="434812" y="1083952"/>
             <a:ext cx="3911648" cy="5016758"/>
           </a:xfrm>
           <a:prstGeom prst="rect">
@@ -42336,7 +42336,7 @@
         </p:nvSpPr>
         <p:spPr>
           <a:xfrm>
-            <a:off x="5952391" y="3429000"/>
+            <a:off x="5719125" y="3394089"/>
             <a:ext cx="3147015" cy="1569660"/>
           </a:xfrm>
           <a:prstGeom prst="rect">
@@ -42457,6 +42457,92 @@
             <a:r>
               <a:rPr lang="en-US" sz="3200" dirty="0"/>
               <a:t>???</a:t>
+            </a:r>
+            <a:endParaRPr lang="ru-RU" sz="3200" dirty="0"/>
+          </a:p>
+        </p:txBody>
+      </p:sp>
+      <p:sp>
+        <p:nvSpPr>
+          <p:cNvPr id="9" name="TextBox 8">
+            <a:extLst>
+              <a:ext uri="{FF2B5EF4-FFF2-40B4-BE49-F238E27FC236}">
+                <a16:creationId xmlns:a16="http://schemas.microsoft.com/office/drawing/2014/main" id="{F3EC2CFD-7327-4E05-812D-5143FE46D32E}"/>
+              </a:ext>
+            </a:extLst>
+          </p:cNvPr>
+          <p:cNvSpPr txBox="1"/>
+          <p:nvPr/>
+        </p:nvSpPr>
+        <p:spPr>
+          <a:xfrm>
+            <a:off x="5488515" y="1044549"/>
+            <a:ext cx="2005677" cy="2062103"/>
+          </a:xfrm>
+          <a:prstGeom prst="rect">
+            <a:avLst/>
+          </a:prstGeom>
+          <a:noFill/>
+          <a:ln>
+            <a:solidFill>
+              <a:schemeClr val="tx1"/>
+            </a:solidFill>
+            <a:prstDash val="dash"/>
+          </a:ln>
+        </p:spPr>
+        <p:txBody>
+          <a:bodyPr wrap="none" rtlCol="0">
+            <a:spAutoFit/>
+          </a:bodyPr>
+          <a:lstStyle/>
+          <a:p>
+            <a:r>
+              <a:rPr lang="en-US" sz="3200" dirty="0"/>
+              <a:t>S </a:t>
+            </a:r>
+            <a:r>
+              <a:rPr lang="ru-RU" sz="3200" dirty="0"/>
+              <a:t>→</a:t>
+            </a:r>
+            <a:r>
+              <a:rPr lang="el-GR" sz="3200" dirty="0"/>
+              <a:t> ε</a:t>
+            </a:r>
+            <a:endParaRPr lang="en-US" sz="3200" dirty="0"/>
+          </a:p>
+          <a:p>
+            <a:r>
+              <a:rPr lang="en-US" sz="3200" dirty="0"/>
+              <a:t>S </a:t>
+            </a:r>
+            <a:r>
+              <a:rPr lang="ru-RU" sz="3200" dirty="0"/>
+              <a:t>→</a:t>
+            </a:r>
+            <a:r>
+              <a:rPr lang="en-US" sz="3200" dirty="0"/>
+              <a:t> 0 S 1 S</a:t>
+            </a:r>
+          </a:p>
+          <a:p>
+            <a:r>
+              <a:rPr lang="en-US" sz="3200" dirty="0"/>
+              <a:t>S </a:t>
+            </a:r>
+            <a:r>
+              <a:rPr lang="ru-RU" sz="3200" dirty="0"/>
+              <a:t>→</a:t>
+            </a:r>
+            <a:r>
+              <a:rPr lang="en-US" sz="3200" dirty="0"/>
+              <a:t> 1 S 0 S</a:t>
+            </a:r>
+            <a:endParaRPr lang="ru-RU" sz="3200" dirty="0"/>
+          </a:p>
+          <a:p>
+            <a:r>
+              <a:rPr lang="en-US" sz="3200" dirty="0"/>
+              <a:t>L = ???</a:t>
             </a:r>
             <a:endParaRPr lang="ru-RU" sz="3200" dirty="0"/>
           </a:p>
